--- a/datas/Li.pptx
+++ b/datas/Li.pptx
@@ -2971,25 +2971,26 @@
       </p:grpSpPr>
       <p:sp>
         <p:nvSpPr>
-          <p:cNvPr id="3" name="矩形 2"/>
+          <p:cNvPr id="4" name="圆角矩形 3"/>
           <p:cNvSpPr/>
           <p:nvPr/>
         </p:nvSpPr>
         <p:spPr>
           <a:xfrm>
-            <a:off x="2897945" y="1533378"/>
-            <a:ext cx="4839286" cy="4417256"/>
+            <a:off x="2060812" y="1160060"/>
+            <a:ext cx="4143303" cy="3944203"/>
           </a:xfrm>
-          <a:prstGeom prst="rect">
+          <a:prstGeom prst="roundRect">
             <a:avLst/>
           </a:prstGeom>
           <a:solidFill>
-            <a:schemeClr val="accent1">
-              <a:alpha val="0"/>
-            </a:schemeClr>
+            <a:schemeClr val="bg1"/>
           </a:solidFill>
           <a:ln>
-            <a:noFill/>
+            <a:solidFill>
+              <a:schemeClr val="bg1"/>
+            </a:solidFill>
+            <a:prstDash val="dash"/>
           </a:ln>
         </p:spPr>
         <p:style>
@@ -3025,9 +3026,9 @@
                 <a:solidFill>
                   <a:srgbClr val="000000"/>
                 </a:solidFill>
-                <a:latin typeface="Kunstler Script" panose="030304020206070D0D06" pitchFamily="66" charset="0"/>
-                <a:ea typeface="宋体" panose="02010600030101010101" pitchFamily="2" charset="-122"/>
-                <a:cs typeface="Times New Roman" panose="02020603050405020304" pitchFamily="18" charset="0"/>
+                <a:latin typeface="Verdana" panose="020B0604030504040204" pitchFamily="34" charset="0"/>
+                <a:ea typeface="Verdana" panose="020B0604030504040204" pitchFamily="34" charset="0"/>
+                <a:cs typeface="Verdana" panose="020B0604030504040204" pitchFamily="34" charset="0"/>
               </a:rPr>
               <a:t>L</a:t>
             </a:r>
@@ -3036,16 +3037,16 @@
                 <a:solidFill>
                   <a:srgbClr val="FF0000"/>
                 </a:solidFill>
-                <a:latin typeface="Kunstler Script" panose="030304020206070D0D06" pitchFamily="66" charset="0"/>
-                <a:ea typeface="宋体" panose="02010600030101010101" pitchFamily="2" charset="-122"/>
-                <a:cs typeface="Times New Roman" panose="02020603050405020304" pitchFamily="18" charset="0"/>
+                <a:latin typeface="Verdana" panose="020B0604030504040204" pitchFamily="34" charset="0"/>
+                <a:ea typeface="Verdana" panose="020B0604030504040204" pitchFamily="34" charset="0"/>
+                <a:cs typeface="Verdana" panose="020B0604030504040204" pitchFamily="34" charset="0"/>
               </a:rPr>
               <a:t>i</a:t>
             </a:r>
             <a:endParaRPr lang="en-US" sz="1400" b="1" dirty="0">
-              <a:latin typeface="Calibri" panose="020F0502020204030204" pitchFamily="34" charset="0"/>
-              <a:ea typeface="宋体" panose="02010600030101010101" pitchFamily="2" charset="-122"/>
-              <a:cs typeface="Times New Roman" panose="02020603050405020304" pitchFamily="18" charset="0"/>
+              <a:latin typeface="Verdana" panose="020B0604030504040204" pitchFamily="34" charset="0"/>
+              <a:ea typeface="Verdana" panose="020B0604030504040204" pitchFamily="34" charset="0"/>
+              <a:cs typeface="Verdana" panose="020B0604030504040204" pitchFamily="34" charset="0"/>
             </a:endParaRPr>
           </a:p>
         </p:txBody>

--- a/datas/Li.pptx
+++ b/datas/Li.pptx
@@ -243,7 +243,7 @@
           <a:p>
             <a:fld id="{BB6F5884-F168-4452-97A0-19F82D8C7FBB}" type="datetimeFigureOut">
               <a:rPr lang="en-US" smtClean="0"/>
-              <a:t>6/20/2015</a:t>
+              <a:t>6/29/2015</a:t>
             </a:fld>
             <a:endParaRPr lang="en-US"/>
           </a:p>
@@ -413,7 +413,7 @@
           <a:p>
             <a:fld id="{BB6F5884-F168-4452-97A0-19F82D8C7FBB}" type="datetimeFigureOut">
               <a:rPr lang="en-US" smtClean="0"/>
-              <a:t>6/20/2015</a:t>
+              <a:t>6/29/2015</a:t>
             </a:fld>
             <a:endParaRPr lang="en-US"/>
           </a:p>
@@ -593,7 +593,7 @@
           <a:p>
             <a:fld id="{BB6F5884-F168-4452-97A0-19F82D8C7FBB}" type="datetimeFigureOut">
               <a:rPr lang="en-US" smtClean="0"/>
-              <a:t>6/20/2015</a:t>
+              <a:t>6/29/2015</a:t>
             </a:fld>
             <a:endParaRPr lang="en-US"/>
           </a:p>
@@ -763,7 +763,7 @@
           <a:p>
             <a:fld id="{BB6F5884-F168-4452-97A0-19F82D8C7FBB}" type="datetimeFigureOut">
               <a:rPr lang="en-US" smtClean="0"/>
-              <a:t>6/20/2015</a:t>
+              <a:t>6/29/2015</a:t>
             </a:fld>
             <a:endParaRPr lang="en-US"/>
           </a:p>
@@ -1009,7 +1009,7 @@
           <a:p>
             <a:fld id="{BB6F5884-F168-4452-97A0-19F82D8C7FBB}" type="datetimeFigureOut">
               <a:rPr lang="en-US" smtClean="0"/>
-              <a:t>6/20/2015</a:t>
+              <a:t>6/29/2015</a:t>
             </a:fld>
             <a:endParaRPr lang="en-US"/>
           </a:p>
@@ -1241,7 +1241,7 @@
           <a:p>
             <a:fld id="{BB6F5884-F168-4452-97A0-19F82D8C7FBB}" type="datetimeFigureOut">
               <a:rPr lang="en-US" smtClean="0"/>
-              <a:t>6/20/2015</a:t>
+              <a:t>6/29/2015</a:t>
             </a:fld>
             <a:endParaRPr lang="en-US"/>
           </a:p>
@@ -1608,7 +1608,7 @@
           <a:p>
             <a:fld id="{BB6F5884-F168-4452-97A0-19F82D8C7FBB}" type="datetimeFigureOut">
               <a:rPr lang="en-US" smtClean="0"/>
-              <a:t>6/20/2015</a:t>
+              <a:t>6/29/2015</a:t>
             </a:fld>
             <a:endParaRPr lang="en-US"/>
           </a:p>
@@ -1726,7 +1726,7 @@
           <a:p>
             <a:fld id="{BB6F5884-F168-4452-97A0-19F82D8C7FBB}" type="datetimeFigureOut">
               <a:rPr lang="en-US" smtClean="0"/>
-              <a:t>6/20/2015</a:t>
+              <a:t>6/29/2015</a:t>
             </a:fld>
             <a:endParaRPr lang="en-US"/>
           </a:p>
@@ -1821,7 +1821,7 @@
           <a:p>
             <a:fld id="{BB6F5884-F168-4452-97A0-19F82D8C7FBB}" type="datetimeFigureOut">
               <a:rPr lang="en-US" smtClean="0"/>
-              <a:t>6/20/2015</a:t>
+              <a:t>6/29/2015</a:t>
             </a:fld>
             <a:endParaRPr lang="en-US"/>
           </a:p>
@@ -2098,7 +2098,7 @@
           <a:p>
             <a:fld id="{BB6F5884-F168-4452-97A0-19F82D8C7FBB}" type="datetimeFigureOut">
               <a:rPr lang="en-US" smtClean="0"/>
-              <a:t>6/20/2015</a:t>
+              <a:t>6/29/2015</a:t>
             </a:fld>
             <a:endParaRPr lang="en-US"/>
           </a:p>
@@ -2351,7 +2351,7 @@
           <a:p>
             <a:fld id="{BB6F5884-F168-4452-97A0-19F82D8C7FBB}" type="datetimeFigureOut">
               <a:rPr lang="en-US" smtClean="0"/>
-              <a:t>6/20/2015</a:t>
+              <a:t>6/29/2015</a:t>
             </a:fld>
             <a:endParaRPr lang="en-US"/>
           </a:p>
@@ -2564,7 +2564,7 @@
           <a:p>
             <a:fld id="{BB6F5884-F168-4452-97A0-19F82D8C7FBB}" type="datetimeFigureOut">
               <a:rPr lang="en-US" smtClean="0"/>
-              <a:t>6/20/2015</a:t>
+              <a:t>6/29/2015</a:t>
             </a:fld>
             <a:endParaRPr lang="en-US"/>
           </a:p>
@@ -2984,7 +2984,7 @@
             <a:avLst/>
           </a:prstGeom>
           <a:solidFill>
-            <a:schemeClr val="bg1"/>
+            <a:srgbClr val="FF0000"/>
           </a:solidFill>
           <a:ln>
             <a:solidFill>
@@ -3035,7 +3035,9 @@
             <a:r>
               <a:rPr lang="en-US" sz="28700" b="1" dirty="0">
                 <a:solidFill>
-                  <a:srgbClr val="FF0000"/>
+                  <a:schemeClr val="bg1">
+                    <a:lumMod val="95000"/>
+                  </a:schemeClr>
                 </a:solidFill>
                 <a:latin typeface="Verdana" panose="020B0604030504040204" pitchFamily="34" charset="0"/>
                 <a:ea typeface="Verdana" panose="020B0604030504040204" pitchFamily="34" charset="0"/>
@@ -3044,6 +3046,11 @@
               <a:t>i</a:t>
             </a:r>
             <a:endParaRPr lang="en-US" sz="1400" b="1" dirty="0">
+              <a:solidFill>
+                <a:schemeClr val="bg1">
+                  <a:lumMod val="95000"/>
+                </a:schemeClr>
+              </a:solidFill>
               <a:latin typeface="Verdana" panose="020B0604030504040204" pitchFamily="34" charset="0"/>
               <a:ea typeface="Verdana" panose="020B0604030504040204" pitchFamily="34" charset="0"/>
               <a:cs typeface="Verdana" panose="020B0604030504040204" pitchFamily="34" charset="0"/>

--- a/datas/Li.pptx
+++ b/datas/Li.pptx
@@ -3024,17 +3024,6 @@
             <a:r>
               <a:rPr lang="en-US" sz="28700" b="1" dirty="0">
                 <a:solidFill>
-                  <a:srgbClr val="000000"/>
-                </a:solidFill>
-                <a:latin typeface="Verdana" panose="020B0604030504040204" pitchFamily="34" charset="0"/>
-                <a:ea typeface="Verdana" panose="020B0604030504040204" pitchFamily="34" charset="0"/>
-                <a:cs typeface="Verdana" panose="020B0604030504040204" pitchFamily="34" charset="0"/>
-              </a:rPr>
-              <a:t>L</a:t>
-            </a:r>
-            <a:r>
-              <a:rPr lang="en-US" sz="28700" b="1" dirty="0">
-                <a:solidFill>
                   <a:schemeClr val="bg1">
                     <a:lumMod val="95000"/>
                   </a:schemeClr>
@@ -3043,13 +3032,22 @@
                 <a:ea typeface="Verdana" panose="020B0604030504040204" pitchFamily="34" charset="0"/>
                 <a:cs typeface="Verdana" panose="020B0604030504040204" pitchFamily="34" charset="0"/>
               </a:rPr>
+              <a:t>L</a:t>
+            </a:r>
+            <a:r>
+              <a:rPr lang="en-US" sz="28700" b="1" dirty="0">
+                <a:solidFill>
+                  <a:schemeClr val="tx1"/>
+                </a:solidFill>
+                <a:latin typeface="Verdana" panose="020B0604030504040204" pitchFamily="34" charset="0"/>
+                <a:ea typeface="Verdana" panose="020B0604030504040204" pitchFamily="34" charset="0"/>
+                <a:cs typeface="Verdana" panose="020B0604030504040204" pitchFamily="34" charset="0"/>
+              </a:rPr>
               <a:t>i</a:t>
             </a:r>
             <a:endParaRPr lang="en-US" sz="1400" b="1" dirty="0">
               <a:solidFill>
-                <a:schemeClr val="bg1">
-                  <a:lumMod val="95000"/>
-                </a:schemeClr>
+                <a:schemeClr val="tx1"/>
               </a:solidFill>
               <a:latin typeface="Verdana" panose="020B0604030504040204" pitchFamily="34" charset="0"/>
               <a:ea typeface="Verdana" panose="020B0604030504040204" pitchFamily="34" charset="0"/>

--- a/datas/Li.pptx
+++ b/datas/Li.pptx
@@ -3022,37 +3022,16 @@
               </a:spcAft>
             </a:pPr>
             <a:r>
-              <a:rPr lang="en-US" sz="28700" b="1" dirty="0">
+              <a:rPr lang="en-US" sz="28700" b="1" dirty="0" smtClean="0">
                 <a:solidFill>
-                  <a:schemeClr val="bg1">
-                    <a:lumMod val="95000"/>
-                  </a:schemeClr>
+                  <a:schemeClr val="bg1"/>
                 </a:solidFill>
                 <a:latin typeface="Verdana" panose="020B0604030504040204" pitchFamily="34" charset="0"/>
                 <a:ea typeface="Verdana" panose="020B0604030504040204" pitchFamily="34" charset="0"/>
                 <a:cs typeface="Verdana" panose="020B0604030504040204" pitchFamily="34" charset="0"/>
               </a:rPr>
-              <a:t>L</a:t>
-            </a:r>
-            <a:r>
-              <a:rPr lang="en-US" sz="28700" b="1" dirty="0">
-                <a:solidFill>
-                  <a:schemeClr val="tx1"/>
-                </a:solidFill>
-                <a:latin typeface="Verdana" panose="020B0604030504040204" pitchFamily="34" charset="0"/>
-                <a:ea typeface="Verdana" panose="020B0604030504040204" pitchFamily="34" charset="0"/>
-                <a:cs typeface="Verdana" panose="020B0604030504040204" pitchFamily="34" charset="0"/>
-              </a:rPr>
-              <a:t>i</a:t>
-            </a:r>
-            <a:endParaRPr lang="en-US" sz="1400" b="1" dirty="0">
-              <a:solidFill>
-                <a:schemeClr val="tx1"/>
-              </a:solidFill>
-              <a:latin typeface="Verdana" panose="020B0604030504040204" pitchFamily="34" charset="0"/>
-              <a:ea typeface="Verdana" panose="020B0604030504040204" pitchFamily="34" charset="0"/>
-              <a:cs typeface="Verdana" panose="020B0604030504040204" pitchFamily="34" charset="0"/>
-            </a:endParaRPr>
+              <a:t>Li</a:t>
+            </a:r>
           </a:p>
         </p:txBody>
       </p:sp>

--- a/datas/Li.pptx
+++ b/datas/Li.pptx
@@ -6,6 +6,8 @@
   </p:sldMasterIdLst>
   <p:sldIdLst>
     <p:sldId id="256" r:id="rId2"/>
+    <p:sldId id="257" r:id="rId3"/>
+    <p:sldId id="258" r:id="rId4"/>
   </p:sldIdLst>
   <p:sldSz cx="12192000" cy="6858000"/>
   <p:notesSz cx="6858000" cy="9144000"/>
@@ -243,7 +245,7 @@
           <a:p>
             <a:fld id="{BB6F5884-F168-4452-97A0-19F82D8C7FBB}" type="datetimeFigureOut">
               <a:rPr lang="en-US" smtClean="0"/>
-              <a:t>6/29/2015</a:t>
+              <a:t>7/4/2015</a:t>
             </a:fld>
             <a:endParaRPr lang="en-US"/>
           </a:p>
@@ -413,7 +415,7 @@
           <a:p>
             <a:fld id="{BB6F5884-F168-4452-97A0-19F82D8C7FBB}" type="datetimeFigureOut">
               <a:rPr lang="en-US" smtClean="0"/>
-              <a:t>6/29/2015</a:t>
+              <a:t>7/4/2015</a:t>
             </a:fld>
             <a:endParaRPr lang="en-US"/>
           </a:p>
@@ -593,7 +595,7 @@
           <a:p>
             <a:fld id="{BB6F5884-F168-4452-97A0-19F82D8C7FBB}" type="datetimeFigureOut">
               <a:rPr lang="en-US" smtClean="0"/>
-              <a:t>6/29/2015</a:t>
+              <a:t>7/4/2015</a:t>
             </a:fld>
             <a:endParaRPr lang="en-US"/>
           </a:p>
@@ -763,7 +765,7 @@
           <a:p>
             <a:fld id="{BB6F5884-F168-4452-97A0-19F82D8C7FBB}" type="datetimeFigureOut">
               <a:rPr lang="en-US" smtClean="0"/>
-              <a:t>6/29/2015</a:t>
+              <a:t>7/4/2015</a:t>
             </a:fld>
             <a:endParaRPr lang="en-US"/>
           </a:p>
@@ -1009,7 +1011,7 @@
           <a:p>
             <a:fld id="{BB6F5884-F168-4452-97A0-19F82D8C7FBB}" type="datetimeFigureOut">
               <a:rPr lang="en-US" smtClean="0"/>
-              <a:t>6/29/2015</a:t>
+              <a:t>7/4/2015</a:t>
             </a:fld>
             <a:endParaRPr lang="en-US"/>
           </a:p>
@@ -1241,7 +1243,7 @@
           <a:p>
             <a:fld id="{BB6F5884-F168-4452-97A0-19F82D8C7FBB}" type="datetimeFigureOut">
               <a:rPr lang="en-US" smtClean="0"/>
-              <a:t>6/29/2015</a:t>
+              <a:t>7/4/2015</a:t>
             </a:fld>
             <a:endParaRPr lang="en-US"/>
           </a:p>
@@ -1608,7 +1610,7 @@
           <a:p>
             <a:fld id="{BB6F5884-F168-4452-97A0-19F82D8C7FBB}" type="datetimeFigureOut">
               <a:rPr lang="en-US" smtClean="0"/>
-              <a:t>6/29/2015</a:t>
+              <a:t>7/4/2015</a:t>
             </a:fld>
             <a:endParaRPr lang="en-US"/>
           </a:p>
@@ -1726,7 +1728,7 @@
           <a:p>
             <a:fld id="{BB6F5884-F168-4452-97A0-19F82D8C7FBB}" type="datetimeFigureOut">
               <a:rPr lang="en-US" smtClean="0"/>
-              <a:t>6/29/2015</a:t>
+              <a:t>7/4/2015</a:t>
             </a:fld>
             <a:endParaRPr lang="en-US"/>
           </a:p>
@@ -1821,7 +1823,7 @@
           <a:p>
             <a:fld id="{BB6F5884-F168-4452-97A0-19F82D8C7FBB}" type="datetimeFigureOut">
               <a:rPr lang="en-US" smtClean="0"/>
-              <a:t>6/29/2015</a:t>
+              <a:t>7/4/2015</a:t>
             </a:fld>
             <a:endParaRPr lang="en-US"/>
           </a:p>
@@ -2098,7 +2100,7 @@
           <a:p>
             <a:fld id="{BB6F5884-F168-4452-97A0-19F82D8C7FBB}" type="datetimeFigureOut">
               <a:rPr lang="en-US" smtClean="0"/>
-              <a:t>6/29/2015</a:t>
+              <a:t>7/4/2015</a:t>
             </a:fld>
             <a:endParaRPr lang="en-US"/>
           </a:p>
@@ -2351,7 +2353,7 @@
           <a:p>
             <a:fld id="{BB6F5884-F168-4452-97A0-19F82D8C7FBB}" type="datetimeFigureOut">
               <a:rPr lang="en-US" smtClean="0"/>
-              <a:t>6/29/2015</a:t>
+              <a:t>7/4/2015</a:t>
             </a:fld>
             <a:endParaRPr lang="en-US"/>
           </a:p>
@@ -2564,7 +2566,7 @@
           <a:p>
             <a:fld id="{BB6F5884-F168-4452-97A0-19F82D8C7FBB}" type="datetimeFigureOut">
               <a:rPr lang="en-US" smtClean="0"/>
-              <a:t>6/29/2015</a:t>
+              <a:t>7/4/2015</a:t>
             </a:fld>
             <a:endParaRPr lang="en-US"/>
           </a:p>
@@ -3048,6 +3050,185 @@
 </p:sld>
 </file>
 
+<file path=ppt/slides/slide2.xml><?xml version="1.0" encoding="utf-8"?>
+<p:sld xmlns:a="http://schemas.openxmlformats.org/drawingml/2006/main" xmlns:r="http://schemas.openxmlformats.org/officeDocument/2006/relationships" xmlns:p="http://schemas.openxmlformats.org/presentationml/2006/main" showMasterSp="0">
+  <p:cSld>
+    <p:spTree>
+      <p:nvGrpSpPr>
+        <p:cNvPr id="1" name=""/>
+        <p:cNvGrpSpPr/>
+        <p:nvPr/>
+      </p:nvGrpSpPr>
+      <p:grpSpPr>
+        <a:xfrm>
+          <a:off x="0" y="0"/>
+          <a:ext cx="0" cy="0"/>
+          <a:chOff x="0" y="0"/>
+          <a:chExt cx="0" cy="0"/>
+        </a:xfrm>
+      </p:grpSpPr>
+      <p:sp>
+        <p:nvSpPr>
+          <p:cNvPr id="2" name="圆角矩形 1"/>
+          <p:cNvSpPr/>
+          <p:nvPr/>
+        </p:nvSpPr>
+        <p:spPr>
+          <a:xfrm>
+            <a:off x="2060812" y="1160060"/>
+            <a:ext cx="4143303" cy="3944203"/>
+          </a:xfrm>
+          <a:prstGeom prst="roundRect">
+            <a:avLst/>
+          </a:prstGeom>
+          <a:solidFill>
+            <a:schemeClr val="tx1"/>
+          </a:solidFill>
+          <a:ln>
+            <a:noFill/>
+            <a:prstDash val="dash"/>
+          </a:ln>
+        </p:spPr>
+        <p:style>
+          <a:lnRef idx="2">
+            <a:schemeClr val="accent1">
+              <a:shade val="50000"/>
+            </a:schemeClr>
+          </a:lnRef>
+          <a:fillRef idx="1">
+            <a:schemeClr val="accent1"/>
+          </a:fillRef>
+          <a:effectRef idx="0">
+            <a:schemeClr val="accent1"/>
+          </a:effectRef>
+          <a:fontRef idx="minor">
+            <a:schemeClr val="lt1"/>
+          </a:fontRef>
+        </p:style>
+        <p:txBody>
+          <a:bodyPr rtlCol="0" anchor="ctr"/>
+          <a:lstStyle/>
+          <a:p>
+            <a:pPr>
+              <a:lnSpc>
+                <a:spcPct val="107000"/>
+              </a:lnSpc>
+              <a:spcAft>
+                <a:spcPts val="800"/>
+              </a:spcAft>
+            </a:pPr>
+            <a:r>
+              <a:rPr lang="en-US" sz="28700" b="1" dirty="0" smtClean="0">
+                <a:solidFill>
+                  <a:srgbClr val="FF0000"/>
+                </a:solidFill>
+                <a:latin typeface="Verdana" panose="020B0604030504040204" pitchFamily="34" charset="0"/>
+                <a:ea typeface="Verdana" panose="020B0604030504040204" pitchFamily="34" charset="0"/>
+                <a:cs typeface="Verdana" panose="020B0604030504040204" pitchFamily="34" charset="0"/>
+              </a:rPr>
+              <a:t>Li</a:t>
+            </a:r>
+          </a:p>
+        </p:txBody>
+      </p:sp>
+    </p:spTree>
+    <p:extLst>
+      <p:ext uri="{BB962C8B-B14F-4D97-AF65-F5344CB8AC3E}">
+        <p14:creationId xmlns:p14="http://schemas.microsoft.com/office/powerpoint/2010/main" val="2241514860"/>
+      </p:ext>
+    </p:extLst>
+  </p:cSld>
+  <p:clrMapOvr>
+    <a:masterClrMapping/>
+  </p:clrMapOvr>
+  <p:timing>
+    <p:tnLst>
+      <p:par>
+        <p:cTn id="1" dur="indefinite" restart="never" nodeType="tmRoot"/>
+      </p:par>
+    </p:tnLst>
+  </p:timing>
+</p:sld>
+</file>
+
+<file path=ppt/slides/slide3.xml><?xml version="1.0" encoding="utf-8"?>
+<p:sld xmlns:a="http://schemas.openxmlformats.org/drawingml/2006/main" xmlns:r="http://schemas.openxmlformats.org/officeDocument/2006/relationships" xmlns:p="http://schemas.openxmlformats.org/presentationml/2006/main">
+  <p:cSld>
+    <p:spTree>
+      <p:nvGrpSpPr>
+        <p:cNvPr id="1" name=""/>
+        <p:cNvGrpSpPr/>
+        <p:nvPr/>
+      </p:nvGrpSpPr>
+      <p:grpSpPr>
+        <a:xfrm>
+          <a:off x="0" y="0"/>
+          <a:ext cx="0" cy="0"/>
+          <a:chOff x="0" y="0"/>
+          <a:chExt cx="0" cy="0"/>
+        </a:xfrm>
+      </p:grpSpPr>
+      <p:pic>
+        <p:nvPicPr>
+          <p:cNvPr id="2" name="图片 1"/>
+          <p:cNvPicPr>
+            <a:picLocks noChangeAspect="1"/>
+          </p:cNvPicPr>
+          <p:nvPr/>
+        </p:nvPicPr>
+        <p:blipFill rotWithShape="1">
+          <a:blip r:embed="rId2">
+            <a:clrChange>
+              <a:clrFrom>
+                <a:srgbClr val="000000">
+                  <a:alpha val="0"/>
+                </a:srgbClr>
+              </a:clrFrom>
+              <a:clrTo>
+                <a:srgbClr val="000000">
+                  <a:alpha val="0"/>
+                </a:srgbClr>
+              </a:clrTo>
+            </a:clrChange>
+            <a:extLst>
+              <a:ext uri="{28A0092B-C50C-407E-A947-70E740481C1C}">
+                <a14:useLocalDpi xmlns:a14="http://schemas.microsoft.com/office/drawing/2010/main" val="0"/>
+              </a:ext>
+            </a:extLst>
+          </a:blip>
+          <a:srcRect l="23260" t="19897" r="23195" b="26974"/>
+          <a:stretch/>
+        </p:blipFill>
+        <p:spPr>
+          <a:xfrm>
+            <a:off x="4192172" y="1364566"/>
+            <a:ext cx="3812346" cy="3643532"/>
+          </a:xfrm>
+          <a:prstGeom prst="rect">
+            <a:avLst/>
+          </a:prstGeom>
+        </p:spPr>
+      </p:pic>
+    </p:spTree>
+    <p:extLst>
+      <p:ext uri="{BB962C8B-B14F-4D97-AF65-F5344CB8AC3E}">
+        <p14:creationId xmlns:p14="http://schemas.microsoft.com/office/powerpoint/2010/main" val="3822102577"/>
+      </p:ext>
+    </p:extLst>
+  </p:cSld>
+  <p:clrMapOvr>
+    <a:masterClrMapping/>
+  </p:clrMapOvr>
+  <p:timing>
+    <p:tnLst>
+      <p:par>
+        <p:cTn id="1" dur="indefinite" restart="never" nodeType="tmRoot"/>
+      </p:par>
+    </p:tnLst>
+  </p:timing>
+</p:sld>
+</file>
+
 <file path=ppt/theme/theme1.xml><?xml version="1.0" encoding="utf-8"?>
 <a:theme xmlns:a="http://schemas.openxmlformats.org/drawingml/2006/main" name="Office 主题">
   <a:themeElements>
